--- a/BalLora/BalLora.pptx
+++ b/BalLora/BalLora.pptx
@@ -255,7 +255,7 @@
           <a:p>
             <a:fld id="{3A23E9CC-82FD-4C58-907E-8B0474080E1D}" type="datetimeFigureOut">
               <a:rPr lang="ko-KR" altLang="en-US" smtClean="0"/>
-              <a:t>2023-10-14</a:t>
+              <a:t>2023-10-25</a:t>
             </a:fld>
             <a:endParaRPr lang="ko-KR" altLang="en-US"/>
           </a:p>
@@ -425,7 +425,7 @@
           <a:p>
             <a:fld id="{3A23E9CC-82FD-4C58-907E-8B0474080E1D}" type="datetimeFigureOut">
               <a:rPr lang="ko-KR" altLang="en-US" smtClean="0"/>
-              <a:t>2023-10-14</a:t>
+              <a:t>2023-10-25</a:t>
             </a:fld>
             <a:endParaRPr lang="ko-KR" altLang="en-US"/>
           </a:p>
@@ -605,7 +605,7 @@
           <a:p>
             <a:fld id="{3A23E9CC-82FD-4C58-907E-8B0474080E1D}" type="datetimeFigureOut">
               <a:rPr lang="ko-KR" altLang="en-US" smtClean="0"/>
-              <a:t>2023-10-14</a:t>
+              <a:t>2023-10-25</a:t>
             </a:fld>
             <a:endParaRPr lang="ko-KR" altLang="en-US"/>
           </a:p>
@@ -775,7 +775,7 @@
           <a:p>
             <a:fld id="{3A23E9CC-82FD-4C58-907E-8B0474080E1D}" type="datetimeFigureOut">
               <a:rPr lang="ko-KR" altLang="en-US" smtClean="0"/>
-              <a:t>2023-10-14</a:t>
+              <a:t>2023-10-25</a:t>
             </a:fld>
             <a:endParaRPr lang="ko-KR" altLang="en-US"/>
           </a:p>
@@ -1019,7 +1019,7 @@
           <a:p>
             <a:fld id="{3A23E9CC-82FD-4C58-907E-8B0474080E1D}" type="datetimeFigureOut">
               <a:rPr lang="ko-KR" altLang="en-US" smtClean="0"/>
-              <a:t>2023-10-14</a:t>
+              <a:t>2023-10-25</a:t>
             </a:fld>
             <a:endParaRPr lang="ko-KR" altLang="en-US"/>
           </a:p>
@@ -1251,7 +1251,7 @@
           <a:p>
             <a:fld id="{3A23E9CC-82FD-4C58-907E-8B0474080E1D}" type="datetimeFigureOut">
               <a:rPr lang="ko-KR" altLang="en-US" smtClean="0"/>
-              <a:t>2023-10-14</a:t>
+              <a:t>2023-10-25</a:t>
             </a:fld>
             <a:endParaRPr lang="ko-KR" altLang="en-US"/>
           </a:p>
@@ -1618,7 +1618,7 @@
           <a:p>
             <a:fld id="{3A23E9CC-82FD-4C58-907E-8B0474080E1D}" type="datetimeFigureOut">
               <a:rPr lang="ko-KR" altLang="en-US" smtClean="0"/>
-              <a:t>2023-10-14</a:t>
+              <a:t>2023-10-25</a:t>
             </a:fld>
             <a:endParaRPr lang="ko-KR" altLang="en-US"/>
           </a:p>
@@ -1736,7 +1736,7 @@
           <a:p>
             <a:fld id="{3A23E9CC-82FD-4C58-907E-8B0474080E1D}" type="datetimeFigureOut">
               <a:rPr lang="ko-KR" altLang="en-US" smtClean="0"/>
-              <a:t>2023-10-14</a:t>
+              <a:t>2023-10-25</a:t>
             </a:fld>
             <a:endParaRPr lang="ko-KR" altLang="en-US"/>
           </a:p>
@@ -1831,7 +1831,7 @@
           <a:p>
             <a:fld id="{3A23E9CC-82FD-4C58-907E-8B0474080E1D}" type="datetimeFigureOut">
               <a:rPr lang="ko-KR" altLang="en-US" smtClean="0"/>
-              <a:t>2023-10-14</a:t>
+              <a:t>2023-10-25</a:t>
             </a:fld>
             <a:endParaRPr lang="ko-KR" altLang="en-US"/>
           </a:p>
@@ -2108,7 +2108,7 @@
           <a:p>
             <a:fld id="{3A23E9CC-82FD-4C58-907E-8B0474080E1D}" type="datetimeFigureOut">
               <a:rPr lang="ko-KR" altLang="en-US" smtClean="0"/>
-              <a:t>2023-10-14</a:t>
+              <a:t>2023-10-25</a:t>
             </a:fld>
             <a:endParaRPr lang="ko-KR" altLang="en-US"/>
           </a:p>
@@ -2365,7 +2365,7 @@
           <a:p>
             <a:fld id="{3A23E9CC-82FD-4C58-907E-8B0474080E1D}" type="datetimeFigureOut">
               <a:rPr lang="ko-KR" altLang="en-US" smtClean="0"/>
-              <a:t>2023-10-14</a:t>
+              <a:t>2023-10-25</a:t>
             </a:fld>
             <a:endParaRPr lang="ko-KR" altLang="en-US"/>
           </a:p>
@@ -2578,7 +2578,7 @@
           <a:p>
             <a:fld id="{3A23E9CC-82FD-4C58-907E-8B0474080E1D}" type="datetimeFigureOut">
               <a:rPr lang="ko-KR" altLang="en-US" smtClean="0"/>
-              <a:t>2023-10-14</a:t>
+              <a:t>2023-10-25</a:t>
             </a:fld>
             <a:endParaRPr lang="ko-KR" altLang="en-US"/>
           </a:p>
